--- a/Slides/Sports Analytics 2/Sports_Analytics_2_Lecture.pptx
+++ b/Slides/Sports Analytics 2/Sports_Analytics_2_Lecture.pptx
@@ -209,7 +209,7 @@
           <a:p>
             <a:fld id="{C04E5E84-956F-4423-97B3-5936A6D8EEEE}" type="datetimeFigureOut">
               <a:rPr lang="en-US" smtClean="0"/>
-              <a:t>8/26/2019</a:t>
+              <a:t>8/14/2020</a:t>
             </a:fld>
             <a:endParaRPr lang="en-US"/>
           </a:p>
@@ -1547,7 +1547,7 @@
           <a:p>
             <a:fld id="{3881C039-66A3-4640-815B-3B5A8B7D868D}" type="datetimeFigureOut">
               <a:rPr lang="en-US" smtClean="0"/>
-              <a:t>8/26/2019</a:t>
+              <a:t>8/14/2020</a:t>
             </a:fld>
             <a:endParaRPr lang="en-US"/>
           </a:p>
@@ -1745,7 +1745,7 @@
           <a:p>
             <a:fld id="{3881C039-66A3-4640-815B-3B5A8B7D868D}" type="datetimeFigureOut">
               <a:rPr lang="en-US" smtClean="0"/>
-              <a:t>8/26/2019</a:t>
+              <a:t>8/14/2020</a:t>
             </a:fld>
             <a:endParaRPr lang="en-US"/>
           </a:p>
@@ -1953,7 +1953,7 @@
           <a:p>
             <a:fld id="{3881C039-66A3-4640-815B-3B5A8B7D868D}" type="datetimeFigureOut">
               <a:rPr lang="en-US" smtClean="0"/>
-              <a:t>8/26/2019</a:t>
+              <a:t>8/14/2020</a:t>
             </a:fld>
             <a:endParaRPr lang="en-US"/>
           </a:p>
@@ -2151,7 +2151,7 @@
           <a:p>
             <a:fld id="{3881C039-66A3-4640-815B-3B5A8B7D868D}" type="datetimeFigureOut">
               <a:rPr lang="en-US" smtClean="0"/>
-              <a:t>8/26/2019</a:t>
+              <a:t>8/14/2020</a:t>
             </a:fld>
             <a:endParaRPr lang="en-US"/>
           </a:p>
@@ -2426,7 +2426,7 @@
           <a:p>
             <a:fld id="{3881C039-66A3-4640-815B-3B5A8B7D868D}" type="datetimeFigureOut">
               <a:rPr lang="en-US" smtClean="0"/>
-              <a:t>8/26/2019</a:t>
+              <a:t>8/14/2020</a:t>
             </a:fld>
             <a:endParaRPr lang="en-US"/>
           </a:p>
@@ -2691,7 +2691,7 @@
           <a:p>
             <a:fld id="{3881C039-66A3-4640-815B-3B5A8B7D868D}" type="datetimeFigureOut">
               <a:rPr lang="en-US" smtClean="0"/>
-              <a:t>8/26/2019</a:t>
+              <a:t>8/14/2020</a:t>
             </a:fld>
             <a:endParaRPr lang="en-US"/>
           </a:p>
@@ -3103,7 +3103,7 @@
           <a:p>
             <a:fld id="{3881C039-66A3-4640-815B-3B5A8B7D868D}" type="datetimeFigureOut">
               <a:rPr lang="en-US" smtClean="0"/>
-              <a:t>8/26/2019</a:t>
+              <a:t>8/14/2020</a:t>
             </a:fld>
             <a:endParaRPr lang="en-US"/>
           </a:p>
@@ -3244,7 +3244,7 @@
           <a:p>
             <a:fld id="{3881C039-66A3-4640-815B-3B5A8B7D868D}" type="datetimeFigureOut">
               <a:rPr lang="en-US" smtClean="0"/>
-              <a:t>8/26/2019</a:t>
+              <a:t>8/14/2020</a:t>
             </a:fld>
             <a:endParaRPr lang="en-US"/>
           </a:p>
@@ -3357,7 +3357,7 @@
           <a:p>
             <a:fld id="{3881C039-66A3-4640-815B-3B5A8B7D868D}" type="datetimeFigureOut">
               <a:rPr lang="en-US" smtClean="0"/>
-              <a:t>8/26/2019</a:t>
+              <a:t>8/14/2020</a:t>
             </a:fld>
             <a:endParaRPr lang="en-US"/>
           </a:p>
@@ -3668,7 +3668,7 @@
           <a:p>
             <a:fld id="{3881C039-66A3-4640-815B-3B5A8B7D868D}" type="datetimeFigureOut">
               <a:rPr lang="en-US" smtClean="0"/>
-              <a:t>8/26/2019</a:t>
+              <a:t>8/14/2020</a:t>
             </a:fld>
             <a:endParaRPr lang="en-US"/>
           </a:p>
@@ -3956,7 +3956,7 @@
           <a:p>
             <a:fld id="{3881C039-66A3-4640-815B-3B5A8B7D868D}" type="datetimeFigureOut">
               <a:rPr lang="en-US" smtClean="0"/>
-              <a:t>8/26/2019</a:t>
+              <a:t>8/14/2020</a:t>
             </a:fld>
             <a:endParaRPr lang="en-US"/>
           </a:p>
@@ -4200,7 +4200,7 @@
           <a:p>
             <a:fld id="{3881C039-66A3-4640-815B-3B5A8B7D868D}" type="datetimeFigureOut">
               <a:rPr lang="en-US" smtClean="0"/>
-              <a:t>8/26/2019</a:t>
+              <a:t>8/14/2020</a:t>
             </a:fld>
             <a:endParaRPr lang="en-US"/>
           </a:p>
@@ -11866,36 +11866,9 @@
             </a:r>
           </a:p>
           <a:p>
-            <a:endParaRPr lang="en-US" sz="2400" dirty="0">
-              <a:latin typeface="Selawik Semibold" panose="020B0702040204020203" pitchFamily="34" charset="0"/>
-            </a:endParaRPr>
-          </a:p>
-          <a:p>
-            <a:pPr lvl="1"/>
-            <a:r>
-              <a:rPr lang="en-US" sz="2000" b="1" dirty="0">
-                <a:latin typeface="Selawik Semibold" panose="020B0702040204020203" pitchFamily="34" charset="0"/>
-              </a:rPr>
-              <a:t>Mike Lewis, </a:t>
-            </a:r>
-            <a:r>
-              <a:rPr lang="en-US" sz="2000" b="1" dirty="0" err="1">
-                <a:latin typeface="Selawik Semibold" panose="020B0702040204020203" pitchFamily="34" charset="0"/>
-              </a:rPr>
-              <a:t>Goizueta</a:t>
-            </a:r>
-            <a:r>
-              <a:rPr lang="en-US" sz="2000" b="1" dirty="0">
-                <a:latin typeface="Selawik Semibold" panose="020B0702040204020203" pitchFamily="34" charset="0"/>
-              </a:rPr>
-              <a:t> Business School, Emory</a:t>
-            </a:r>
-            <a:endParaRPr lang="en-US" sz="2000" dirty="0">
-              <a:latin typeface="Selawik Semibold" panose="020B0702040204020203" pitchFamily="34" charset="0"/>
-            </a:endParaRPr>
-          </a:p>
-          <a:p>
-            <a:pPr lvl="1"/>
+            <a:pPr marL="457200" lvl="1" indent="0">
+              <a:buNone/>
+            </a:pPr>
             <a:endParaRPr lang="en-US" sz="2000" b="1" dirty="0">
               <a:latin typeface="Selawik Semibold" panose="020B0702040204020203" pitchFamily="34" charset="0"/>
             </a:endParaRPr>

--- a/Slides/Sports Analytics 2/Sports_Analytics_2_Lecture.pptx
+++ b/Slides/Sports Analytics 2/Sports_Analytics_2_Lecture.pptx
@@ -209,7 +209,7 @@
           <a:p>
             <a:fld id="{C04E5E84-956F-4423-97B3-5936A6D8EEEE}" type="datetimeFigureOut">
               <a:rPr lang="en-US" smtClean="0"/>
-              <a:t>8/14/2020</a:t>
+              <a:t>1/26/2021</a:t>
             </a:fld>
             <a:endParaRPr lang="en-US"/>
           </a:p>
@@ -1547,7 +1547,7 @@
           <a:p>
             <a:fld id="{3881C039-66A3-4640-815B-3B5A8B7D868D}" type="datetimeFigureOut">
               <a:rPr lang="en-US" smtClean="0"/>
-              <a:t>8/14/2020</a:t>
+              <a:t>1/26/2021</a:t>
             </a:fld>
             <a:endParaRPr lang="en-US"/>
           </a:p>
@@ -1745,7 +1745,7 @@
           <a:p>
             <a:fld id="{3881C039-66A3-4640-815B-3B5A8B7D868D}" type="datetimeFigureOut">
               <a:rPr lang="en-US" smtClean="0"/>
-              <a:t>8/14/2020</a:t>
+              <a:t>1/26/2021</a:t>
             </a:fld>
             <a:endParaRPr lang="en-US"/>
           </a:p>
@@ -1953,7 +1953,7 @@
           <a:p>
             <a:fld id="{3881C039-66A3-4640-815B-3B5A8B7D868D}" type="datetimeFigureOut">
               <a:rPr lang="en-US" smtClean="0"/>
-              <a:t>8/14/2020</a:t>
+              <a:t>1/26/2021</a:t>
             </a:fld>
             <a:endParaRPr lang="en-US"/>
           </a:p>
@@ -2151,7 +2151,7 @@
           <a:p>
             <a:fld id="{3881C039-66A3-4640-815B-3B5A8B7D868D}" type="datetimeFigureOut">
               <a:rPr lang="en-US" smtClean="0"/>
-              <a:t>8/14/2020</a:t>
+              <a:t>1/26/2021</a:t>
             </a:fld>
             <a:endParaRPr lang="en-US"/>
           </a:p>
@@ -2426,7 +2426,7 @@
           <a:p>
             <a:fld id="{3881C039-66A3-4640-815B-3B5A8B7D868D}" type="datetimeFigureOut">
               <a:rPr lang="en-US" smtClean="0"/>
-              <a:t>8/14/2020</a:t>
+              <a:t>1/26/2021</a:t>
             </a:fld>
             <a:endParaRPr lang="en-US"/>
           </a:p>
@@ -2691,7 +2691,7 @@
           <a:p>
             <a:fld id="{3881C039-66A3-4640-815B-3B5A8B7D868D}" type="datetimeFigureOut">
               <a:rPr lang="en-US" smtClean="0"/>
-              <a:t>8/14/2020</a:t>
+              <a:t>1/26/2021</a:t>
             </a:fld>
             <a:endParaRPr lang="en-US"/>
           </a:p>
@@ -3103,7 +3103,7 @@
           <a:p>
             <a:fld id="{3881C039-66A3-4640-815B-3B5A8B7D868D}" type="datetimeFigureOut">
               <a:rPr lang="en-US" smtClean="0"/>
-              <a:t>8/14/2020</a:t>
+              <a:t>1/26/2021</a:t>
             </a:fld>
             <a:endParaRPr lang="en-US"/>
           </a:p>
@@ -3244,7 +3244,7 @@
           <a:p>
             <a:fld id="{3881C039-66A3-4640-815B-3B5A8B7D868D}" type="datetimeFigureOut">
               <a:rPr lang="en-US" smtClean="0"/>
-              <a:t>8/14/2020</a:t>
+              <a:t>1/26/2021</a:t>
             </a:fld>
             <a:endParaRPr lang="en-US"/>
           </a:p>
@@ -3357,7 +3357,7 @@
           <a:p>
             <a:fld id="{3881C039-66A3-4640-815B-3B5A8B7D868D}" type="datetimeFigureOut">
               <a:rPr lang="en-US" smtClean="0"/>
-              <a:t>8/14/2020</a:t>
+              <a:t>1/26/2021</a:t>
             </a:fld>
             <a:endParaRPr lang="en-US"/>
           </a:p>
@@ -3668,7 +3668,7 @@
           <a:p>
             <a:fld id="{3881C039-66A3-4640-815B-3B5A8B7D868D}" type="datetimeFigureOut">
               <a:rPr lang="en-US" smtClean="0"/>
-              <a:t>8/14/2020</a:t>
+              <a:t>1/26/2021</a:t>
             </a:fld>
             <a:endParaRPr lang="en-US"/>
           </a:p>
@@ -3956,7 +3956,7 @@
           <a:p>
             <a:fld id="{3881C039-66A3-4640-815B-3B5A8B7D868D}" type="datetimeFigureOut">
               <a:rPr lang="en-US" smtClean="0"/>
-              <a:t>8/14/2020</a:t>
+              <a:t>1/26/2021</a:t>
             </a:fld>
             <a:endParaRPr lang="en-US"/>
           </a:p>
@@ -4200,7 +4200,7 @@
           <a:p>
             <a:fld id="{3881C039-66A3-4640-815B-3B5A8B7D868D}" type="datetimeFigureOut">
               <a:rPr lang="en-US" smtClean="0"/>
-              <a:t>8/14/2020</a:t>
+              <a:t>1/26/2021</a:t>
             </a:fld>
             <a:endParaRPr lang="en-US"/>
           </a:p>
@@ -4705,8 +4705,17 @@
               <a:rPr lang="en-US" sz="2000" dirty="0">
                 <a:latin typeface="Selawik Semibold" panose="020B0702040204020203" pitchFamily="34" charset="0"/>
               </a:rPr>
-              <a:t>UNC STOR 390</a:t>
-            </a:r>
+              <a:t>UNC </a:t>
+            </a:r>
+            <a:r>
+              <a:rPr lang="en-US" sz="2000">
+                <a:latin typeface="Selawik Semibold" panose="020B0702040204020203" pitchFamily="34" charset="0"/>
+              </a:rPr>
+              <a:t>STOR 538</a:t>
+            </a:r>
+            <a:endParaRPr lang="en-US" sz="2000" dirty="0">
+              <a:latin typeface="Selawik Semibold" panose="020B0702040204020203" pitchFamily="34" charset="0"/>
+            </a:endParaRPr>
           </a:p>
         </p:txBody>
       </p:sp>

--- a/Slides/Sports Analytics 2/Sports_Analytics_2_Lecture.pptx
+++ b/Slides/Sports Analytics 2/Sports_Analytics_2_Lecture.pptx
@@ -209,7 +209,7 @@
           <a:p>
             <a:fld id="{C04E5E84-956F-4423-97B3-5936A6D8EEEE}" type="datetimeFigureOut">
               <a:rPr lang="en-US" smtClean="0"/>
-              <a:t>1/26/2021</a:t>
+              <a:t>1/10/2023</a:t>
             </a:fld>
             <a:endParaRPr lang="en-US"/>
           </a:p>
@@ -1547,7 +1547,7 @@
           <a:p>
             <a:fld id="{3881C039-66A3-4640-815B-3B5A8B7D868D}" type="datetimeFigureOut">
               <a:rPr lang="en-US" smtClean="0"/>
-              <a:t>1/26/2021</a:t>
+              <a:t>1/10/2023</a:t>
             </a:fld>
             <a:endParaRPr lang="en-US"/>
           </a:p>
@@ -1745,7 +1745,7 @@
           <a:p>
             <a:fld id="{3881C039-66A3-4640-815B-3B5A8B7D868D}" type="datetimeFigureOut">
               <a:rPr lang="en-US" smtClean="0"/>
-              <a:t>1/26/2021</a:t>
+              <a:t>1/10/2023</a:t>
             </a:fld>
             <a:endParaRPr lang="en-US"/>
           </a:p>
@@ -1953,7 +1953,7 @@
           <a:p>
             <a:fld id="{3881C039-66A3-4640-815B-3B5A8B7D868D}" type="datetimeFigureOut">
               <a:rPr lang="en-US" smtClean="0"/>
-              <a:t>1/26/2021</a:t>
+              <a:t>1/10/2023</a:t>
             </a:fld>
             <a:endParaRPr lang="en-US"/>
           </a:p>
@@ -2151,7 +2151,7 @@
           <a:p>
             <a:fld id="{3881C039-66A3-4640-815B-3B5A8B7D868D}" type="datetimeFigureOut">
               <a:rPr lang="en-US" smtClean="0"/>
-              <a:t>1/26/2021</a:t>
+              <a:t>1/10/2023</a:t>
             </a:fld>
             <a:endParaRPr lang="en-US"/>
           </a:p>
@@ -2426,7 +2426,7 @@
           <a:p>
             <a:fld id="{3881C039-66A3-4640-815B-3B5A8B7D868D}" type="datetimeFigureOut">
               <a:rPr lang="en-US" smtClean="0"/>
-              <a:t>1/26/2021</a:t>
+              <a:t>1/10/2023</a:t>
             </a:fld>
             <a:endParaRPr lang="en-US"/>
           </a:p>
@@ -2691,7 +2691,7 @@
           <a:p>
             <a:fld id="{3881C039-66A3-4640-815B-3B5A8B7D868D}" type="datetimeFigureOut">
               <a:rPr lang="en-US" smtClean="0"/>
-              <a:t>1/26/2021</a:t>
+              <a:t>1/10/2023</a:t>
             </a:fld>
             <a:endParaRPr lang="en-US"/>
           </a:p>
@@ -3103,7 +3103,7 @@
           <a:p>
             <a:fld id="{3881C039-66A3-4640-815B-3B5A8B7D868D}" type="datetimeFigureOut">
               <a:rPr lang="en-US" smtClean="0"/>
-              <a:t>1/26/2021</a:t>
+              <a:t>1/10/2023</a:t>
             </a:fld>
             <a:endParaRPr lang="en-US"/>
           </a:p>
@@ -3244,7 +3244,7 @@
           <a:p>
             <a:fld id="{3881C039-66A3-4640-815B-3B5A8B7D868D}" type="datetimeFigureOut">
               <a:rPr lang="en-US" smtClean="0"/>
-              <a:t>1/26/2021</a:t>
+              <a:t>1/10/2023</a:t>
             </a:fld>
             <a:endParaRPr lang="en-US"/>
           </a:p>
@@ -3357,7 +3357,7 @@
           <a:p>
             <a:fld id="{3881C039-66A3-4640-815B-3B5A8B7D868D}" type="datetimeFigureOut">
               <a:rPr lang="en-US" smtClean="0"/>
-              <a:t>1/26/2021</a:t>
+              <a:t>1/10/2023</a:t>
             </a:fld>
             <a:endParaRPr lang="en-US"/>
           </a:p>
@@ -3668,7 +3668,7 @@
           <a:p>
             <a:fld id="{3881C039-66A3-4640-815B-3B5A8B7D868D}" type="datetimeFigureOut">
               <a:rPr lang="en-US" smtClean="0"/>
-              <a:t>1/26/2021</a:t>
+              <a:t>1/10/2023</a:t>
             </a:fld>
             <a:endParaRPr lang="en-US"/>
           </a:p>
@@ -3956,7 +3956,7 @@
           <a:p>
             <a:fld id="{3881C039-66A3-4640-815B-3B5A8B7D868D}" type="datetimeFigureOut">
               <a:rPr lang="en-US" smtClean="0"/>
-              <a:t>1/26/2021</a:t>
+              <a:t>1/10/2023</a:t>
             </a:fld>
             <a:endParaRPr lang="en-US"/>
           </a:p>
@@ -4200,7 +4200,7 @@
           <a:p>
             <a:fld id="{3881C039-66A3-4640-815B-3B5A8B7D868D}" type="datetimeFigureOut">
               <a:rPr lang="en-US" smtClean="0"/>
-              <a:t>1/26/2021</a:t>
+              <a:t>1/10/2023</a:t>
             </a:fld>
             <a:endParaRPr lang="en-US"/>
           </a:p>
@@ -11857,8 +11857,8 @@
         </p:nvSpPr>
         <p:spPr>
           <a:xfrm>
-            <a:off x="838198" y="2021249"/>
-            <a:ext cx="7207103" cy="4515152"/>
+            <a:off x="838199" y="2021249"/>
+            <a:ext cx="6442366" cy="4515152"/>
           </a:xfrm>
         </p:spPr>
         <p:txBody>
@@ -11894,7 +11894,7 @@
           <a:p>
             <a:pPr lvl="2"/>
             <a:r>
-              <a:rPr lang="en-US" sz="1600" b="1" dirty="0">
+              <a:rPr lang="en-US" sz="1800" b="1" dirty="0">
                 <a:latin typeface="Selawik Semibold" panose="020B0702040204020203" pitchFamily="34" charset="0"/>
               </a:rPr>
               <a:t>Understand the Past, Evaluate the Present, Predict the Future</a:t>

--- a/Slides/Sports Analytics 2/Sports_Analytics_2_Lecture.pptx
+++ b/Slides/Sports Analytics 2/Sports_Analytics_2_Lecture.pptx
@@ -5,7 +5,7 @@
     <p:sldMasterId id="2147483648" r:id="rId1"/>
   </p:sldMasterIdLst>
   <p:notesMasterIdLst>
-    <p:notesMasterId r:id="rId15"/>
+    <p:notesMasterId r:id="rId14"/>
   </p:notesMasterIdLst>
   <p:sldIdLst>
     <p:sldId id="256" r:id="rId2"/>
@@ -14,13 +14,12 @@
     <p:sldId id="284" r:id="rId5"/>
     <p:sldId id="273" r:id="rId6"/>
     <p:sldId id="287" r:id="rId7"/>
-    <p:sldId id="291" r:id="rId8"/>
-    <p:sldId id="290" r:id="rId9"/>
+    <p:sldId id="290" r:id="rId8"/>
+    <p:sldId id="286" r:id="rId9"/>
     <p:sldId id="288" r:id="rId10"/>
-    <p:sldId id="286" r:id="rId11"/>
-    <p:sldId id="289" r:id="rId12"/>
-    <p:sldId id="275" r:id="rId13"/>
-    <p:sldId id="281" r:id="rId14"/>
+    <p:sldId id="289" r:id="rId11"/>
+    <p:sldId id="275" r:id="rId12"/>
+    <p:sldId id="281" r:id="rId13"/>
   </p:sldIdLst>
   <p:sldSz cx="12192000" cy="6858000"/>
   <p:notesSz cx="6858000" cy="9144000"/>
@@ -209,7 +208,7 @@
           <a:p>
             <a:fld id="{C04E5E84-956F-4423-97B3-5936A6D8EEEE}" type="datetimeFigureOut">
               <a:rPr lang="en-US" smtClean="0"/>
-              <a:t>1/10/2023</a:t>
+              <a:t>1/12/2023</a:t>
             </a:fld>
             <a:endParaRPr lang="en-US"/>
           </a:p>
@@ -634,90 +633,6 @@
     </p:spTree>
     <p:extLst>
       <p:ext uri="{BB962C8B-B14F-4D97-AF65-F5344CB8AC3E}">
-        <p14:creationId xmlns:p14="http://schemas.microsoft.com/office/powerpoint/2010/main" val="1432594203"/>
-      </p:ext>
-    </p:extLst>
-  </p:cSld>
-  <p:clrMapOvr>
-    <a:masterClrMapping/>
-  </p:clrMapOvr>
-</p:notes>
-</file>
-
-<file path=ppt/notesSlides/notesSlide11.xml><?xml version="1.0" encoding="utf-8"?>
-<p:notes xmlns:a="http://schemas.openxmlformats.org/drawingml/2006/main" xmlns:r="http://schemas.openxmlformats.org/officeDocument/2006/relationships" xmlns:p="http://schemas.openxmlformats.org/presentationml/2006/main">
-  <p:cSld>
-    <p:spTree>
-      <p:nvGrpSpPr>
-        <p:cNvPr id="1" name=""/>
-        <p:cNvGrpSpPr/>
-        <p:nvPr/>
-      </p:nvGrpSpPr>
-      <p:grpSpPr>
-        <a:xfrm>
-          <a:off x="0" y="0"/>
-          <a:ext cx="0" cy="0"/>
-          <a:chOff x="0" y="0"/>
-          <a:chExt cx="0" cy="0"/>
-        </a:xfrm>
-      </p:grpSpPr>
-      <p:sp>
-        <p:nvSpPr>
-          <p:cNvPr id="2" name="Slide Image Placeholder 1"/>
-          <p:cNvSpPr>
-            <a:spLocks noGrp="1" noRot="1" noChangeAspect="1"/>
-          </p:cNvSpPr>
-          <p:nvPr>
-            <p:ph type="sldImg"/>
-          </p:nvPr>
-        </p:nvSpPr>
-        <p:spPr/>
-      </p:sp>
-      <p:sp>
-        <p:nvSpPr>
-          <p:cNvPr id="3" name="Notes Placeholder 2"/>
-          <p:cNvSpPr>
-            <a:spLocks noGrp="1"/>
-          </p:cNvSpPr>
-          <p:nvPr>
-            <p:ph type="body" idx="1"/>
-          </p:nvPr>
-        </p:nvSpPr>
-        <p:spPr/>
-        <p:txBody>
-          <a:bodyPr/>
-          <a:lstStyle/>
-          <a:p>
-            <a:endParaRPr lang="en-US" dirty="0"/>
-          </a:p>
-        </p:txBody>
-      </p:sp>
-      <p:sp>
-        <p:nvSpPr>
-          <p:cNvPr id="4" name="Slide Number Placeholder 3"/>
-          <p:cNvSpPr>
-            <a:spLocks noGrp="1"/>
-          </p:cNvSpPr>
-          <p:nvPr>
-            <p:ph type="sldNum" sz="quarter" idx="5"/>
-          </p:nvPr>
-        </p:nvSpPr>
-        <p:spPr/>
-        <p:txBody>
-          <a:bodyPr/>
-          <a:lstStyle/>
-          <a:p>
-            <a:fld id="{323D9EF6-5B6D-4923-9412-628692DCC0E7}" type="slidenum">
-              <a:rPr lang="en-US" smtClean="0"/>
-              <a:t>12</a:t>
-            </a:fld>
-            <a:endParaRPr lang="en-US"/>
-          </a:p>
-        </p:txBody>
-      </p:sp>
-    </p:spTree>
-    <p:extLst>
-      <p:ext uri="{BB962C8B-B14F-4D97-AF65-F5344CB8AC3E}">
         <p14:creationId xmlns:p14="http://schemas.microsoft.com/office/powerpoint/2010/main" val="1360271695"/>
       </p:ext>
     </p:extLst>
@@ -1138,7 +1053,7 @@
     </p:spTree>
     <p:extLst>
       <p:ext uri="{BB962C8B-B14F-4D97-AF65-F5344CB8AC3E}">
-        <p14:creationId xmlns:p14="http://schemas.microsoft.com/office/powerpoint/2010/main" val="2435290474"/>
+        <p14:creationId xmlns:p14="http://schemas.microsoft.com/office/powerpoint/2010/main" val="2769408003"/>
       </p:ext>
     </p:extLst>
   </p:cSld>
@@ -1222,7 +1137,7 @@
     </p:spTree>
     <p:extLst>
       <p:ext uri="{BB962C8B-B14F-4D97-AF65-F5344CB8AC3E}">
-        <p14:creationId xmlns:p14="http://schemas.microsoft.com/office/powerpoint/2010/main" val="2769408003"/>
+        <p14:creationId xmlns:p14="http://schemas.microsoft.com/office/powerpoint/2010/main" val="4282624534"/>
       </p:ext>
     </p:extLst>
   </p:cSld>
@@ -1390,7 +1305,7 @@
     </p:spTree>
     <p:extLst>
       <p:ext uri="{BB962C8B-B14F-4D97-AF65-F5344CB8AC3E}">
-        <p14:creationId xmlns:p14="http://schemas.microsoft.com/office/powerpoint/2010/main" val="4282624534"/>
+        <p14:creationId xmlns:p14="http://schemas.microsoft.com/office/powerpoint/2010/main" val="1432594203"/>
       </p:ext>
     </p:extLst>
   </p:cSld>
@@ -1547,7 +1462,7 @@
           <a:p>
             <a:fld id="{3881C039-66A3-4640-815B-3B5A8B7D868D}" type="datetimeFigureOut">
               <a:rPr lang="en-US" smtClean="0"/>
-              <a:t>1/10/2023</a:t>
+              <a:t>1/12/2023</a:t>
             </a:fld>
             <a:endParaRPr lang="en-US"/>
           </a:p>
@@ -1745,7 +1660,7 @@
           <a:p>
             <a:fld id="{3881C039-66A3-4640-815B-3B5A8B7D868D}" type="datetimeFigureOut">
               <a:rPr lang="en-US" smtClean="0"/>
-              <a:t>1/10/2023</a:t>
+              <a:t>1/12/2023</a:t>
             </a:fld>
             <a:endParaRPr lang="en-US"/>
           </a:p>
@@ -1953,7 +1868,7 @@
           <a:p>
             <a:fld id="{3881C039-66A3-4640-815B-3B5A8B7D868D}" type="datetimeFigureOut">
               <a:rPr lang="en-US" smtClean="0"/>
-              <a:t>1/10/2023</a:t>
+              <a:t>1/12/2023</a:t>
             </a:fld>
             <a:endParaRPr lang="en-US"/>
           </a:p>
@@ -2151,7 +2066,7 @@
           <a:p>
             <a:fld id="{3881C039-66A3-4640-815B-3B5A8B7D868D}" type="datetimeFigureOut">
               <a:rPr lang="en-US" smtClean="0"/>
-              <a:t>1/10/2023</a:t>
+              <a:t>1/12/2023</a:t>
             </a:fld>
             <a:endParaRPr lang="en-US"/>
           </a:p>
@@ -2426,7 +2341,7 @@
           <a:p>
             <a:fld id="{3881C039-66A3-4640-815B-3B5A8B7D868D}" type="datetimeFigureOut">
               <a:rPr lang="en-US" smtClean="0"/>
-              <a:t>1/10/2023</a:t>
+              <a:t>1/12/2023</a:t>
             </a:fld>
             <a:endParaRPr lang="en-US"/>
           </a:p>
@@ -2691,7 +2606,7 @@
           <a:p>
             <a:fld id="{3881C039-66A3-4640-815B-3B5A8B7D868D}" type="datetimeFigureOut">
               <a:rPr lang="en-US" smtClean="0"/>
-              <a:t>1/10/2023</a:t>
+              <a:t>1/12/2023</a:t>
             </a:fld>
             <a:endParaRPr lang="en-US"/>
           </a:p>
@@ -3103,7 +3018,7 @@
           <a:p>
             <a:fld id="{3881C039-66A3-4640-815B-3B5A8B7D868D}" type="datetimeFigureOut">
               <a:rPr lang="en-US" smtClean="0"/>
-              <a:t>1/10/2023</a:t>
+              <a:t>1/12/2023</a:t>
             </a:fld>
             <a:endParaRPr lang="en-US"/>
           </a:p>
@@ -3244,7 +3159,7 @@
           <a:p>
             <a:fld id="{3881C039-66A3-4640-815B-3B5A8B7D868D}" type="datetimeFigureOut">
               <a:rPr lang="en-US" smtClean="0"/>
-              <a:t>1/10/2023</a:t>
+              <a:t>1/12/2023</a:t>
             </a:fld>
             <a:endParaRPr lang="en-US"/>
           </a:p>
@@ -3357,7 +3272,7 @@
           <a:p>
             <a:fld id="{3881C039-66A3-4640-815B-3B5A8B7D868D}" type="datetimeFigureOut">
               <a:rPr lang="en-US" smtClean="0"/>
-              <a:t>1/10/2023</a:t>
+              <a:t>1/12/2023</a:t>
             </a:fld>
             <a:endParaRPr lang="en-US"/>
           </a:p>
@@ -3668,7 +3583,7 @@
           <a:p>
             <a:fld id="{3881C039-66A3-4640-815B-3B5A8B7D868D}" type="datetimeFigureOut">
               <a:rPr lang="en-US" smtClean="0"/>
-              <a:t>1/10/2023</a:t>
+              <a:t>1/12/2023</a:t>
             </a:fld>
             <a:endParaRPr lang="en-US"/>
           </a:p>
@@ -3956,7 +3871,7 @@
           <a:p>
             <a:fld id="{3881C039-66A3-4640-815B-3B5A8B7D868D}" type="datetimeFigureOut">
               <a:rPr lang="en-US" smtClean="0"/>
-              <a:t>1/10/2023</a:t>
+              <a:t>1/12/2023</a:t>
             </a:fld>
             <a:endParaRPr lang="en-US"/>
           </a:p>
@@ -4200,7 +4115,7 @@
           <a:p>
             <a:fld id="{3881C039-66A3-4640-815B-3B5A8B7D868D}" type="datetimeFigureOut">
               <a:rPr lang="en-US" smtClean="0"/>
-              <a:t>1/10/2023</a:t>
+              <a:t>1/12/2023</a:t>
             </a:fld>
             <a:endParaRPr lang="en-US"/>
           </a:p>
@@ -4974,115 +4889,34 @@
           </a:bodyPr>
           <a:lstStyle/>
           <a:p>
-            <a:r>
-              <a:rPr lang="en-US" sz="2400" dirty="0">
-                <a:latin typeface="Selawik Semibold" panose="020B0702040204020203" pitchFamily="34" charset="0"/>
-              </a:rPr>
-              <a:t>Five Questions for All Analyses – Ben </a:t>
-            </a:r>
-            <a:r>
-              <a:rPr lang="en-US" sz="2400" dirty="0" err="1">
-                <a:latin typeface="Selawik Semibold" panose="020B0702040204020203" pitchFamily="34" charset="0"/>
-              </a:rPr>
-              <a:t>Alamar</a:t>
-            </a:r>
-            <a:endParaRPr lang="en-US" sz="2400" dirty="0">
-              <a:latin typeface="Selawik Semibold" panose="020B0702040204020203" pitchFamily="34" charset="0"/>
-            </a:endParaRPr>
-          </a:p>
-          <a:p>
             <a:pPr marL="0" indent="0">
               <a:buNone/>
             </a:pPr>
-            <a:endParaRPr lang="en-US" sz="2400" dirty="0">
-              <a:latin typeface="Selawik Semibold" panose="020B0702040204020203" pitchFamily="34" charset="0"/>
-            </a:endParaRPr>
-          </a:p>
-          <a:p>
-            <a:pPr lvl="1"/>
-            <a:r>
-              <a:rPr lang="en-US" sz="2000" dirty="0">
+            <a:r>
+              <a:rPr lang="en-US" b="1" dirty="0">
                 <a:latin typeface="Selawik Semibold" panose="020B0702040204020203" pitchFamily="34" charset="0"/>
               </a:rPr>
-              <a:t>What was the thought process that led to the analysis? </a:t>
-            </a:r>
-          </a:p>
-          <a:p>
-            <a:pPr marL="457200" lvl="1" indent="0">
+              <a:t>Analytics will almost never outperform human judgment when it comes to individuals.  What analytics are useful for is helping human decision makers self-correct.</a:t>
+            </a:r>
+          </a:p>
+          <a:p>
+            <a:pPr marL="0" indent="0">
               <a:buNone/>
             </a:pPr>
-            <a:endParaRPr lang="en-US" sz="2000" dirty="0">
+            <a:endParaRPr lang="en-US" b="1" dirty="0">
               <a:latin typeface="Selawik Semibold" panose="020B0702040204020203" pitchFamily="34" charset="0"/>
             </a:endParaRPr>
           </a:p>
           <a:p>
-            <a:pPr lvl="1"/>
-            <a:r>
-              <a:rPr lang="en-US" sz="2000" dirty="0">
+            <a:pPr marL="0" indent="0">
+              <a:buNone/>
+            </a:pPr>
+            <a:r>
+              <a:rPr lang="en-US" b="1" dirty="0">
                 <a:latin typeface="Selawik Semibold" panose="020B0702040204020203" pitchFamily="34" charset="0"/>
               </a:rPr>
-              <a:t>What is the context of the result? </a:t>
-            </a:r>
-          </a:p>
-          <a:p>
-            <a:pPr marL="457200" lvl="1" indent="0">
-              <a:buNone/>
-            </a:pPr>
-            <a:endParaRPr lang="en-US" sz="2000" dirty="0">
-              <a:latin typeface="Selawik Semibold" panose="020B0702040204020203" pitchFamily="34" charset="0"/>
-            </a:endParaRPr>
-          </a:p>
-          <a:p>
-            <a:pPr lvl="1"/>
-            <a:r>
-              <a:rPr lang="en-US" sz="2000" dirty="0">
-                <a:latin typeface="Selawik Semibold" panose="020B0702040204020203" pitchFamily="34" charset="0"/>
-              </a:rPr>
-              <a:t>How much uncertainty is in the analysis?</a:t>
-            </a:r>
-          </a:p>
-          <a:p>
-            <a:pPr marL="457200" lvl="1" indent="0">
-              <a:buNone/>
-            </a:pPr>
-            <a:endParaRPr lang="en-US" sz="2000" dirty="0">
-              <a:latin typeface="Selawik Semibold" panose="020B0702040204020203" pitchFamily="34" charset="0"/>
-            </a:endParaRPr>
-          </a:p>
-          <a:p>
-            <a:pPr lvl="1"/>
-            <a:r>
-              <a:rPr lang="en-US" sz="2000" dirty="0">
-                <a:latin typeface="Selawik Semibold" panose="020B0702040204020203" pitchFamily="34" charset="0"/>
-              </a:rPr>
-              <a:t>How does the result inform the decision-making process?</a:t>
-            </a:r>
-          </a:p>
-          <a:p>
-            <a:pPr marL="457200" lvl="1" indent="0">
-              <a:buNone/>
-            </a:pPr>
-            <a:endParaRPr lang="en-US" sz="2000" dirty="0">
-              <a:latin typeface="Selawik Semibold" panose="020B0702040204020203" pitchFamily="34" charset="0"/>
-            </a:endParaRPr>
-          </a:p>
-          <a:p>
-            <a:pPr lvl="1"/>
-            <a:r>
-              <a:rPr lang="en-US" sz="2000" dirty="0">
-                <a:latin typeface="Selawik Semibold" panose="020B0702040204020203" pitchFamily="34" charset="0"/>
-              </a:rPr>
-              <a:t>How can we further reduce the uncertainty?</a:t>
-            </a:r>
-          </a:p>
-          <a:p>
-            <a:pPr lvl="2"/>
-            <a:endParaRPr lang="en-US" sz="1600" dirty="0">
-              <a:latin typeface="Selawik Semibold" panose="020B0702040204020203" pitchFamily="34" charset="0"/>
-            </a:endParaRPr>
-          </a:p>
-          <a:p>
-            <a:pPr lvl="1"/>
+              <a:t>-Mike Lewis </a:t>
+            </a:r>
             <a:endParaRPr lang="en-US" sz="1600" dirty="0">
               <a:latin typeface="Selawik Semibold" panose="020B0702040204020203" pitchFamily="34" charset="0"/>
             </a:endParaRPr>
@@ -5468,7 +5302,7 @@
     </p:spTree>
     <p:extLst>
       <p:ext uri="{BB962C8B-B14F-4D97-AF65-F5344CB8AC3E}">
-        <p14:creationId xmlns:p14="http://schemas.microsoft.com/office/powerpoint/2010/main" val="416677112"/>
+        <p14:creationId xmlns:p14="http://schemas.microsoft.com/office/powerpoint/2010/main" val="2562893686"/>
       </p:ext>
     </p:extLst>
   </p:cSld>
@@ -5598,7 +5432,7 @@
               <a:rPr lang="en-US" b="1" dirty="0">
                 <a:latin typeface="Selawik Semibold" panose="020B0604020202020204" pitchFamily="34" charset="0"/>
               </a:rPr>
-              <a:t>Analytic Models</a:t>
+              <a:t>Information Systems</a:t>
             </a:r>
           </a:p>
         </p:txBody>
@@ -5622,7 +5456,7 @@
         <p:spPr>
           <a:xfrm>
             <a:off x="838199" y="2021249"/>
-            <a:ext cx="6954372" cy="4581257"/>
+            <a:ext cx="7922560" cy="4471626"/>
           </a:xfrm>
         </p:spPr>
         <p:txBody>
@@ -5631,43 +5465,87 @@
           </a:bodyPr>
           <a:lstStyle/>
           <a:p>
+            <a:pPr marL="457200" lvl="1" indent="0">
+              <a:buNone/>
+            </a:pPr>
+            <a:endParaRPr lang="en-US" sz="2000" dirty="0">
+              <a:latin typeface="Selawik Semibold" panose="020B0702040204020203" pitchFamily="34" charset="0"/>
+            </a:endParaRPr>
+          </a:p>
+          <a:p>
+            <a:r>
+              <a:rPr lang="en-US" sz="2400" dirty="0">
+                <a:latin typeface="Selawik Semibold" panose="020B0702040204020203" pitchFamily="34" charset="0"/>
+              </a:rPr>
+              <a:t>Mechanisms for Data Delivery</a:t>
+            </a:r>
+          </a:p>
+          <a:p>
+            <a:pPr lvl="1"/>
+            <a:endParaRPr lang="en-US" sz="2000" dirty="0">
+              <a:latin typeface="Selawik Semibold" panose="020B0702040204020203" pitchFamily="34" charset="0"/>
+            </a:endParaRPr>
+          </a:p>
+          <a:p>
+            <a:r>
+              <a:rPr lang="en-US" sz="2400" dirty="0">
+                <a:latin typeface="Selawik Semibold" panose="020B0702040204020203" pitchFamily="34" charset="0"/>
+              </a:rPr>
+              <a:t>Organization and Presentation Matters</a:t>
+            </a:r>
+          </a:p>
+          <a:p>
+            <a:pPr lvl="1"/>
+            <a:endParaRPr lang="en-US" sz="2000" dirty="0">
+              <a:latin typeface="Selawik Semibold" panose="020B0702040204020203" pitchFamily="34" charset="0"/>
+            </a:endParaRPr>
+          </a:p>
+          <a:p>
+            <a:r>
+              <a:rPr lang="en-US" sz="2400" dirty="0">
+                <a:latin typeface="Selawik Semibold" panose="020B0702040204020203" pitchFamily="34" charset="0"/>
+              </a:rPr>
+              <a:t>“One Version of the Truth” – Ben </a:t>
+            </a:r>
+            <a:r>
+              <a:rPr lang="en-US" sz="2400" dirty="0" err="1">
+                <a:latin typeface="Selawik Semibold" panose="020B0702040204020203" pitchFamily="34" charset="0"/>
+              </a:rPr>
+              <a:t>Alamar</a:t>
+            </a:r>
+            <a:endParaRPr lang="en-US" sz="2400" dirty="0">
+              <a:latin typeface="Selawik Semibold" panose="020B0702040204020203" pitchFamily="34" charset="0"/>
+            </a:endParaRPr>
+          </a:p>
+          <a:p>
             <a:pPr marL="0" indent="0">
               <a:buNone/>
             </a:pPr>
-            <a:r>
-              <a:rPr lang="en-US" b="1" dirty="0">
+            <a:endParaRPr lang="en-US" sz="2000" dirty="0">
+              <a:latin typeface="Selawik Semibold" panose="020B0702040204020203" pitchFamily="34" charset="0"/>
+            </a:endParaRPr>
+          </a:p>
+          <a:p>
+            <a:r>
+              <a:rPr lang="en-US" sz="2400" dirty="0">
                 <a:latin typeface="Selawik Semibold" panose="020B0702040204020203" pitchFamily="34" charset="0"/>
               </a:rPr>
-              <a:t>Analytics will almost never outperform human judgment when it comes to individuals.  What analytics are useful for is helping human decision makers self-correct.</a:t>
-            </a:r>
-          </a:p>
-          <a:p>
-            <a:pPr marL="0" indent="0">
-              <a:buNone/>
-            </a:pPr>
-            <a:endParaRPr lang="en-US" b="1" dirty="0">
-              <a:latin typeface="Selawik Semibold" panose="020B0702040204020203" pitchFamily="34" charset="0"/>
-            </a:endParaRPr>
-          </a:p>
-          <a:p>
-            <a:pPr marL="0" indent="0">
-              <a:buNone/>
-            </a:pPr>
-            <a:r>
-              <a:rPr lang="en-US" b="1" dirty="0">
-                <a:latin typeface="Selawik Semibold" panose="020B0702040204020203" pitchFamily="34" charset="0"/>
-              </a:rPr>
-              <a:t>-Mike Lewis </a:t>
-            </a:r>
-            <a:endParaRPr lang="en-US" sz="1600" dirty="0">
-              <a:latin typeface="Selawik Semibold" panose="020B0702040204020203" pitchFamily="34" charset="0"/>
-            </a:endParaRPr>
+              <a:t>Static: Automatically Generated Reports</a:t>
+            </a:r>
           </a:p>
           <a:p>
             <a:pPr lvl="1"/>
             <a:endParaRPr lang="en-US" sz="2000" dirty="0">
               <a:latin typeface="Selawik Semibold" panose="020B0702040204020203" pitchFamily="34" charset="0"/>
             </a:endParaRPr>
+          </a:p>
+          <a:p>
+            <a:r>
+              <a:rPr lang="en-US" sz="2400" dirty="0">
+                <a:latin typeface="Selawik Semibold" panose="020B0702040204020203" pitchFamily="34" charset="0"/>
+              </a:rPr>
+              <a:t>Interactive: Computer, Phone, Tablet, and Web Applications</a:t>
+            </a:r>
           </a:p>
           <a:p>
             <a:pPr lvl="1"/>
@@ -6044,7 +5922,7 @@
     </p:spTree>
     <p:extLst>
       <p:ext uri="{BB962C8B-B14F-4D97-AF65-F5344CB8AC3E}">
-        <p14:creationId xmlns:p14="http://schemas.microsoft.com/office/powerpoint/2010/main" val="2562893686"/>
+        <p14:creationId xmlns:p14="http://schemas.microsoft.com/office/powerpoint/2010/main" val="3847524711"/>
       </p:ext>
     </p:extLst>
   </p:cSld>
@@ -6055,626 +5933,6 @@
 </file>
 
 <file path=ppt/slides/slide12.xml><?xml version="1.0" encoding="utf-8"?>
-<p:sld xmlns:a="http://schemas.openxmlformats.org/drawingml/2006/main" xmlns:r="http://schemas.openxmlformats.org/officeDocument/2006/relationships" xmlns:p="http://schemas.openxmlformats.org/presentationml/2006/main">
-  <p:cSld>
-    <p:bg>
-      <p:bgPr>
-        <a:solidFill>
-          <a:srgbClr val="395583"/>
-        </a:solidFill>
-        <a:effectLst/>
-      </p:bgPr>
-    </p:bg>
-    <p:spTree>
-      <p:nvGrpSpPr>
-        <p:cNvPr id="1" name=""/>
-        <p:cNvGrpSpPr/>
-        <p:nvPr/>
-      </p:nvGrpSpPr>
-      <p:grpSpPr>
-        <a:xfrm>
-          <a:off x="0" y="0"/>
-          <a:ext cx="0" cy="0"/>
-          <a:chOff x="0" y="0"/>
-          <a:chExt cx="0" cy="0"/>
-        </a:xfrm>
-      </p:grpSpPr>
-      <p:sp>
-        <p:nvSpPr>
-          <p:cNvPr id="25" name="Rectangle 24">
-            <a:extLst>
-              <a:ext uri="{FF2B5EF4-FFF2-40B4-BE49-F238E27FC236}">
-                <a16:creationId xmlns:a16="http://schemas.microsoft.com/office/drawing/2014/main" id="{A6792F05-2FD4-4F18-815E-15391E8B4A0E}"/>
-              </a:ext>
-              <a:ext uri="{C183D7F6-B498-43B3-948B-1728B52AA6E4}">
-                <adec:decorative xmlns:adec="http://schemas.microsoft.com/office/drawing/2017/decorative" val="1"/>
-              </a:ext>
-            </a:extLst>
-          </p:cNvPr>
-          <p:cNvSpPr>
-            <a:spLocks noGrp="1" noRot="1" noChangeAspect="1" noMove="1" noResize="1" noEditPoints="1" noAdjustHandles="1" noChangeArrowheads="1" noChangeShapeType="1" noTextEdit="1"/>
-          </p:cNvSpPr>
-          <p:nvPr>
-            <p:extLst>
-              <p:ext uri="{386F3935-93C4-4BCD-93E2-E3B085C9AB24}">
-                <p16:designElem xmlns:p16="http://schemas.microsoft.com/office/powerpoint/2015/main" val="1"/>
-              </p:ext>
-            </p:extLst>
-          </p:nvPr>
-        </p:nvSpPr>
-        <p:spPr>
-          <a:xfrm>
-            <a:off x="0" y="0"/>
-            <a:ext cx="12191999" cy="6858000"/>
-          </a:xfrm>
-          <a:prstGeom prst="rect">
-            <a:avLst/>
-          </a:prstGeom>
-          <a:solidFill>
-            <a:srgbClr val="395583"/>
-          </a:solidFill>
-          <a:ln>
-            <a:noFill/>
-          </a:ln>
-        </p:spPr>
-        <p:style>
-          <a:lnRef idx="2">
-            <a:schemeClr val="accent1">
-              <a:shade val="50000"/>
-            </a:schemeClr>
-          </a:lnRef>
-          <a:fillRef idx="1">
-            <a:schemeClr val="accent1"/>
-          </a:fillRef>
-          <a:effectRef idx="0">
-            <a:schemeClr val="accent1"/>
-          </a:effectRef>
-          <a:fontRef idx="minor">
-            <a:schemeClr val="lt1"/>
-          </a:fontRef>
-        </p:style>
-        <p:txBody>
-          <a:bodyPr rtlCol="0" anchor="ctr"/>
-          <a:lstStyle/>
-          <a:p>
-            <a:pPr algn="ctr"/>
-            <a:endParaRPr lang="en-US"/>
-          </a:p>
-        </p:txBody>
-      </p:sp>
-      <p:sp>
-        <p:nvSpPr>
-          <p:cNvPr id="2" name="Title 1">
-            <a:extLst>
-              <a:ext uri="{FF2B5EF4-FFF2-40B4-BE49-F238E27FC236}">
-                <a16:creationId xmlns:a16="http://schemas.microsoft.com/office/drawing/2014/main" id="{2589AFCC-0FF0-498C-B11F-8990DF0DAAA5}"/>
-              </a:ext>
-            </a:extLst>
-          </p:cNvPr>
-          <p:cNvSpPr>
-            <a:spLocks noGrp="1"/>
-          </p:cNvSpPr>
-          <p:nvPr>
-            <p:ph type="title"/>
-          </p:nvPr>
-        </p:nvSpPr>
-        <p:spPr>
-          <a:xfrm>
-            <a:off x="838200" y="365125"/>
-            <a:ext cx="10515600" cy="1325563"/>
-          </a:xfrm>
-        </p:spPr>
-        <p:txBody>
-          <a:bodyPr>
-            <a:normAutofit/>
-          </a:bodyPr>
-          <a:lstStyle/>
-          <a:p>
-            <a:r>
-              <a:rPr lang="en-US" b="1" dirty="0">
-                <a:latin typeface="Selawik Semibold" panose="020B0604020202020204" pitchFamily="34" charset="0"/>
-              </a:rPr>
-              <a:t>Information Systems</a:t>
-            </a:r>
-          </a:p>
-        </p:txBody>
-      </p:sp>
-      <p:sp>
-        <p:nvSpPr>
-          <p:cNvPr id="9" name="Content Placeholder 8">
-            <a:extLst>
-              <a:ext uri="{FF2B5EF4-FFF2-40B4-BE49-F238E27FC236}">
-                <a16:creationId xmlns:a16="http://schemas.microsoft.com/office/drawing/2014/main" id="{2D995594-59F2-4020-AB6F-751BAE84ADB3}"/>
-              </a:ext>
-            </a:extLst>
-          </p:cNvPr>
-          <p:cNvSpPr>
-            <a:spLocks noGrp="1"/>
-          </p:cNvSpPr>
-          <p:nvPr>
-            <p:ph idx="1"/>
-          </p:nvPr>
-        </p:nvSpPr>
-        <p:spPr>
-          <a:xfrm>
-            <a:off x="838199" y="2021249"/>
-            <a:ext cx="7922560" cy="4471626"/>
-          </a:xfrm>
-        </p:spPr>
-        <p:txBody>
-          <a:bodyPr>
-            <a:normAutofit/>
-          </a:bodyPr>
-          <a:lstStyle/>
-          <a:p>
-            <a:pPr marL="457200" lvl="1" indent="0">
-              <a:buNone/>
-            </a:pPr>
-            <a:endParaRPr lang="en-US" sz="2000" dirty="0">
-              <a:latin typeface="Selawik Semibold" panose="020B0702040204020203" pitchFamily="34" charset="0"/>
-            </a:endParaRPr>
-          </a:p>
-          <a:p>
-            <a:r>
-              <a:rPr lang="en-US" sz="2400" dirty="0">
-                <a:latin typeface="Selawik Semibold" panose="020B0702040204020203" pitchFamily="34" charset="0"/>
-              </a:rPr>
-              <a:t>Mechanisms for Data Delivery</a:t>
-            </a:r>
-          </a:p>
-          <a:p>
-            <a:pPr lvl="1"/>
-            <a:endParaRPr lang="en-US" sz="2000" dirty="0">
-              <a:latin typeface="Selawik Semibold" panose="020B0702040204020203" pitchFamily="34" charset="0"/>
-            </a:endParaRPr>
-          </a:p>
-          <a:p>
-            <a:r>
-              <a:rPr lang="en-US" sz="2400" dirty="0">
-                <a:latin typeface="Selawik Semibold" panose="020B0702040204020203" pitchFamily="34" charset="0"/>
-              </a:rPr>
-              <a:t>Organization and Presentation Matters</a:t>
-            </a:r>
-          </a:p>
-          <a:p>
-            <a:pPr lvl="1"/>
-            <a:endParaRPr lang="en-US" sz="2000" dirty="0">
-              <a:latin typeface="Selawik Semibold" panose="020B0702040204020203" pitchFamily="34" charset="0"/>
-            </a:endParaRPr>
-          </a:p>
-          <a:p>
-            <a:r>
-              <a:rPr lang="en-US" sz="2400" dirty="0">
-                <a:latin typeface="Selawik Semibold" panose="020B0702040204020203" pitchFamily="34" charset="0"/>
-              </a:rPr>
-              <a:t>“One Version of the Truth” – Ben </a:t>
-            </a:r>
-            <a:r>
-              <a:rPr lang="en-US" sz="2400" dirty="0" err="1">
-                <a:latin typeface="Selawik Semibold" panose="020B0702040204020203" pitchFamily="34" charset="0"/>
-              </a:rPr>
-              <a:t>Alamar</a:t>
-            </a:r>
-            <a:endParaRPr lang="en-US" sz="2400" dirty="0">
-              <a:latin typeface="Selawik Semibold" panose="020B0702040204020203" pitchFamily="34" charset="0"/>
-            </a:endParaRPr>
-          </a:p>
-          <a:p>
-            <a:pPr marL="0" indent="0">
-              <a:buNone/>
-            </a:pPr>
-            <a:endParaRPr lang="en-US" sz="2000" dirty="0">
-              <a:latin typeface="Selawik Semibold" panose="020B0702040204020203" pitchFamily="34" charset="0"/>
-            </a:endParaRPr>
-          </a:p>
-          <a:p>
-            <a:r>
-              <a:rPr lang="en-US" sz="2400" dirty="0">
-                <a:latin typeface="Selawik Semibold" panose="020B0702040204020203" pitchFamily="34" charset="0"/>
-              </a:rPr>
-              <a:t>Static: Automatically Generated Reports</a:t>
-            </a:r>
-          </a:p>
-          <a:p>
-            <a:pPr lvl="1"/>
-            <a:endParaRPr lang="en-US" sz="2000" dirty="0">
-              <a:latin typeface="Selawik Semibold" panose="020B0702040204020203" pitchFamily="34" charset="0"/>
-            </a:endParaRPr>
-          </a:p>
-          <a:p>
-            <a:r>
-              <a:rPr lang="en-US" sz="2400" dirty="0">
-                <a:latin typeface="Selawik Semibold" panose="020B0702040204020203" pitchFamily="34" charset="0"/>
-              </a:rPr>
-              <a:t>Interactive: Computer, Phone, Tablet, and Web Applications</a:t>
-            </a:r>
-          </a:p>
-          <a:p>
-            <a:pPr lvl="1"/>
-            <a:endParaRPr lang="en-US" sz="2000" dirty="0">
-              <a:latin typeface="Selawik Semibold" panose="020B0702040204020203" pitchFamily="34" charset="0"/>
-            </a:endParaRPr>
-          </a:p>
-          <a:p>
-            <a:pPr lvl="1"/>
-            <a:endParaRPr lang="en-US" sz="1600" dirty="0">
-              <a:latin typeface="Selawik Semibold" panose="020B0702040204020203" pitchFamily="34" charset="0"/>
-            </a:endParaRPr>
-          </a:p>
-          <a:p>
-            <a:pPr lvl="1"/>
-            <a:endParaRPr lang="en-US" sz="2000" dirty="0">
-              <a:latin typeface="Selawik Semibold" panose="020B0702040204020203" pitchFamily="34" charset="0"/>
-            </a:endParaRPr>
-          </a:p>
-          <a:p>
-            <a:pPr lvl="1"/>
-            <a:endParaRPr lang="en-US" sz="2000" dirty="0">
-              <a:latin typeface="Selawik Semibold" panose="020B0702040204020203" pitchFamily="34" charset="0"/>
-            </a:endParaRPr>
-          </a:p>
-          <a:p>
-            <a:pPr lvl="1"/>
-            <a:endParaRPr lang="en-US" sz="2000" dirty="0">
-              <a:latin typeface="Selawik Semibold" panose="020B0702040204020203" pitchFamily="34" charset="0"/>
-            </a:endParaRPr>
-          </a:p>
-        </p:txBody>
-      </p:sp>
-      <p:pic>
-        <p:nvPicPr>
-          <p:cNvPr id="4" name="Picture 3" descr="A drawing of a cartoon character&#10;&#10;Description automatically generated">
-            <a:extLst>
-              <a:ext uri="{FF2B5EF4-FFF2-40B4-BE49-F238E27FC236}">
-                <a16:creationId xmlns:a16="http://schemas.microsoft.com/office/drawing/2014/main" id="{A7FDC859-D890-4904-9C64-27F43DA90453}"/>
-              </a:ext>
-            </a:extLst>
-          </p:cNvPr>
-          <p:cNvPicPr>
-            <a:picLocks noChangeAspect="1"/>
-          </p:cNvPicPr>
-          <p:nvPr/>
-        </p:nvPicPr>
-        <p:blipFill rotWithShape="1">
-          <a:blip r:embed="rId3">
-            <a:extLst>
-              <a:ext uri="{28A0092B-C50C-407E-A947-70E740481C1C}">
-                <a14:useLocalDpi xmlns:a14="http://schemas.microsoft.com/office/drawing/2010/main" val="0"/>
-              </a:ext>
-            </a:extLst>
-          </a:blip>
-          <a:srcRect t="5616" r="2" b="2"/>
-          <a:stretch/>
-        </p:blipFill>
-        <p:spPr>
-          <a:xfrm>
-            <a:off x="7471144" y="1700078"/>
-            <a:ext cx="4720855" cy="2583792"/>
-          </a:xfrm>
-          <a:custGeom>
-            <a:avLst/>
-            <a:gdLst>
-              <a:gd name="connsiteX0" fmla="*/ 0 w 5475077"/>
-              <a:gd name="connsiteY0" fmla="*/ 0 h 2583792"/>
-              <a:gd name="connsiteX1" fmla="*/ 5475077 w 5475077"/>
-              <a:gd name="connsiteY1" fmla="*/ 0 h 2583792"/>
-              <a:gd name="connsiteX2" fmla="*/ 5475077 w 5475077"/>
-              <a:gd name="connsiteY2" fmla="*/ 2583792 h 2583792"/>
-              <a:gd name="connsiteX3" fmla="*/ 1197192 w 5475077"/>
-              <a:gd name="connsiteY3" fmla="*/ 2583792 h 2583792"/>
-            </a:gdLst>
-            <a:ahLst/>
-            <a:cxnLst>
-              <a:cxn ang="0">
-                <a:pos x="connsiteX0" y="connsiteY0"/>
-              </a:cxn>
-              <a:cxn ang="0">
-                <a:pos x="connsiteX1" y="connsiteY1"/>
-              </a:cxn>
-              <a:cxn ang="0">
-                <a:pos x="connsiteX2" y="connsiteY2"/>
-              </a:cxn>
-              <a:cxn ang="0">
-                <a:pos x="connsiteX3" y="connsiteY3"/>
-              </a:cxn>
-            </a:cxnLst>
-            <a:rect l="l" t="t" r="r" b="b"/>
-            <a:pathLst>
-              <a:path w="5475077" h="2583792">
-                <a:moveTo>
-                  <a:pt x="0" y="0"/>
-                </a:moveTo>
-                <a:lnTo>
-                  <a:pt x="5475077" y="0"/>
-                </a:lnTo>
-                <a:lnTo>
-                  <a:pt x="5475077" y="2583792"/>
-                </a:lnTo>
-                <a:lnTo>
-                  <a:pt x="1197192" y="2583792"/>
-                </a:lnTo>
-                <a:close/>
-              </a:path>
-            </a:pathLst>
-          </a:custGeom>
-        </p:spPr>
-      </p:pic>
-      <p:pic>
-        <p:nvPicPr>
-          <p:cNvPr id="5" name="Content Placeholder 4" descr="A picture containing indoor&#10;&#10;Description automatically generated">
-            <a:extLst>
-              <a:ext uri="{FF2B5EF4-FFF2-40B4-BE49-F238E27FC236}">
-                <a16:creationId xmlns:a16="http://schemas.microsoft.com/office/drawing/2014/main" id="{A58F0E55-21F3-485B-A07F-1CE74177BDD2}"/>
-              </a:ext>
-            </a:extLst>
-          </p:cNvPr>
-          <p:cNvPicPr>
-            <a:picLocks noChangeAspect="1"/>
-          </p:cNvPicPr>
-          <p:nvPr/>
-        </p:nvPicPr>
-        <p:blipFill rotWithShape="1">
-          <a:blip r:embed="rId4">
-            <a:extLst>
-              <a:ext uri="{28A0092B-C50C-407E-A947-70E740481C1C}">
-                <a14:useLocalDpi xmlns:a14="http://schemas.microsoft.com/office/drawing/2010/main" val="0"/>
-              </a:ext>
-            </a:extLst>
-          </a:blip>
-          <a:srcRect t="5300" r="3" b="6859"/>
-          <a:stretch/>
-        </p:blipFill>
-        <p:spPr>
-          <a:xfrm>
-            <a:off x="8491869" y="4283870"/>
-            <a:ext cx="3700129" cy="2583520"/>
-          </a:xfrm>
-          <a:custGeom>
-            <a:avLst/>
-            <a:gdLst>
-              <a:gd name="connsiteX0" fmla="*/ 0 w 4277884"/>
-              <a:gd name="connsiteY0" fmla="*/ 0 h 2583520"/>
-              <a:gd name="connsiteX1" fmla="*/ 4277884 w 4277884"/>
-              <a:gd name="connsiteY1" fmla="*/ 0 h 2583520"/>
-              <a:gd name="connsiteX2" fmla="*/ 4277884 w 4277884"/>
-              <a:gd name="connsiteY2" fmla="*/ 2583520 h 2583520"/>
-              <a:gd name="connsiteX3" fmla="*/ 1192437 w 4277884"/>
-              <a:gd name="connsiteY3" fmla="*/ 2583520 h 2583520"/>
-              <a:gd name="connsiteX4" fmla="*/ 1188085 w 4277884"/>
-              <a:gd name="connsiteY4" fmla="*/ 2574129 h 2583520"/>
-              <a:gd name="connsiteX5" fmla="*/ 1192715 w 4277884"/>
-              <a:gd name="connsiteY5" fmla="*/ 2574129 h 2583520"/>
-            </a:gdLst>
-            <a:ahLst/>
-            <a:cxnLst>
-              <a:cxn ang="0">
-                <a:pos x="connsiteX0" y="connsiteY0"/>
-              </a:cxn>
-              <a:cxn ang="0">
-                <a:pos x="connsiteX1" y="connsiteY1"/>
-              </a:cxn>
-              <a:cxn ang="0">
-                <a:pos x="connsiteX2" y="connsiteY2"/>
-              </a:cxn>
-              <a:cxn ang="0">
-                <a:pos x="connsiteX3" y="connsiteY3"/>
-              </a:cxn>
-              <a:cxn ang="0">
-                <a:pos x="connsiteX4" y="connsiteY4"/>
-              </a:cxn>
-              <a:cxn ang="0">
-                <a:pos x="connsiteX5" y="connsiteY5"/>
-              </a:cxn>
-            </a:cxnLst>
-            <a:rect l="l" t="t" r="r" b="b"/>
-            <a:pathLst>
-              <a:path w="4277884" h="2583520">
-                <a:moveTo>
-                  <a:pt x="0" y="0"/>
-                </a:moveTo>
-                <a:lnTo>
-                  <a:pt x="4277884" y="0"/>
-                </a:lnTo>
-                <a:lnTo>
-                  <a:pt x="4277884" y="2583520"/>
-                </a:lnTo>
-                <a:lnTo>
-                  <a:pt x="1192437" y="2583520"/>
-                </a:lnTo>
-                <a:lnTo>
-                  <a:pt x="1188085" y="2574129"/>
-                </a:lnTo>
-                <a:lnTo>
-                  <a:pt x="1192715" y="2574129"/>
-                </a:lnTo>
-                <a:close/>
-              </a:path>
-            </a:pathLst>
-          </a:custGeom>
-        </p:spPr>
-      </p:pic>
-      <p:sp>
-        <p:nvSpPr>
-          <p:cNvPr id="6" name="Rectangle 5">
-            <a:extLst>
-              <a:ext uri="{FF2B5EF4-FFF2-40B4-BE49-F238E27FC236}">
-                <a16:creationId xmlns:a16="http://schemas.microsoft.com/office/drawing/2014/main" id="{A2901312-C3C2-4CEC-80EF-823AB4FBB726}"/>
-              </a:ext>
-            </a:extLst>
-          </p:cNvPr>
-          <p:cNvSpPr/>
-          <p:nvPr/>
-        </p:nvSpPr>
-        <p:spPr>
-          <a:xfrm>
-            <a:off x="-1" y="1608918"/>
-            <a:ext cx="12191999" cy="91160"/>
-          </a:xfrm>
-          <a:prstGeom prst="rect">
-            <a:avLst/>
-          </a:prstGeom>
-          <a:solidFill>
-            <a:schemeClr val="bg1"/>
-          </a:solidFill>
-          <a:ln>
-            <a:noFill/>
-          </a:ln>
-        </p:spPr>
-        <p:style>
-          <a:lnRef idx="2">
-            <a:schemeClr val="accent1">
-              <a:shade val="50000"/>
-            </a:schemeClr>
-          </a:lnRef>
-          <a:fillRef idx="1">
-            <a:schemeClr val="accent1"/>
-          </a:fillRef>
-          <a:effectRef idx="0">
-            <a:schemeClr val="accent1"/>
-          </a:effectRef>
-          <a:fontRef idx="minor">
-            <a:schemeClr val="lt1"/>
-          </a:fontRef>
-        </p:style>
-        <p:txBody>
-          <a:bodyPr rtlCol="0" anchor="ctr"/>
-          <a:lstStyle/>
-          <a:p>
-            <a:pPr algn="ctr"/>
-            <a:endParaRPr lang="en-US">
-              <a:solidFill>
-                <a:srgbClr val="DB5B5C"/>
-              </a:solidFill>
-            </a:endParaRPr>
-          </a:p>
-        </p:txBody>
-      </p:sp>
-      <p:sp>
-        <p:nvSpPr>
-          <p:cNvPr id="15" name="Rectangle 14">
-            <a:extLst>
-              <a:ext uri="{FF2B5EF4-FFF2-40B4-BE49-F238E27FC236}">
-                <a16:creationId xmlns:a16="http://schemas.microsoft.com/office/drawing/2014/main" id="{AD0A7C9C-CA2C-4B9B-A125-2D09D5573B44}"/>
-              </a:ext>
-            </a:extLst>
-          </p:cNvPr>
-          <p:cNvSpPr/>
-          <p:nvPr/>
-        </p:nvSpPr>
-        <p:spPr>
-          <a:xfrm>
-            <a:off x="1" y="6677247"/>
-            <a:ext cx="12191999" cy="190143"/>
-          </a:xfrm>
-          <a:prstGeom prst="rect">
-            <a:avLst/>
-          </a:prstGeom>
-          <a:solidFill>
-            <a:schemeClr val="bg1"/>
-          </a:solidFill>
-          <a:ln>
-            <a:noFill/>
-          </a:ln>
-        </p:spPr>
-        <p:style>
-          <a:lnRef idx="2">
-            <a:schemeClr val="accent1">
-              <a:shade val="50000"/>
-            </a:schemeClr>
-          </a:lnRef>
-          <a:fillRef idx="1">
-            <a:schemeClr val="accent1"/>
-          </a:fillRef>
-          <a:effectRef idx="0">
-            <a:schemeClr val="accent1"/>
-          </a:effectRef>
-          <a:fontRef idx="minor">
-            <a:schemeClr val="lt1"/>
-          </a:fontRef>
-        </p:style>
-        <p:txBody>
-          <a:bodyPr rtlCol="0" anchor="ctr"/>
-          <a:lstStyle/>
-          <a:p>
-            <a:pPr algn="ctr"/>
-            <a:endParaRPr lang="en-US">
-              <a:solidFill>
-                <a:srgbClr val="DB5B5C"/>
-              </a:solidFill>
-            </a:endParaRPr>
-          </a:p>
-        </p:txBody>
-      </p:sp>
-      <p:sp>
-        <p:nvSpPr>
-          <p:cNvPr id="16" name="Rectangle 15">
-            <a:extLst>
-              <a:ext uri="{FF2B5EF4-FFF2-40B4-BE49-F238E27FC236}">
-                <a16:creationId xmlns:a16="http://schemas.microsoft.com/office/drawing/2014/main" id="{74A085FC-1866-46D4-97F7-51AA45E48D4F}"/>
-              </a:ext>
-            </a:extLst>
-          </p:cNvPr>
-          <p:cNvSpPr/>
-          <p:nvPr/>
-        </p:nvSpPr>
-        <p:spPr>
-          <a:xfrm rot="4092292">
-            <a:off x="5790668" y="4094517"/>
-            <a:ext cx="5446699" cy="137038"/>
-          </a:xfrm>
-          <a:prstGeom prst="rect">
-            <a:avLst/>
-          </a:prstGeom>
-          <a:solidFill>
-            <a:schemeClr val="bg1"/>
-          </a:solidFill>
-          <a:ln>
-            <a:noFill/>
-          </a:ln>
-        </p:spPr>
-        <p:style>
-          <a:lnRef idx="2">
-            <a:schemeClr val="accent1">
-              <a:shade val="50000"/>
-            </a:schemeClr>
-          </a:lnRef>
-          <a:fillRef idx="1">
-            <a:schemeClr val="accent1"/>
-          </a:fillRef>
-          <a:effectRef idx="0">
-            <a:schemeClr val="accent1"/>
-          </a:effectRef>
-          <a:fontRef idx="minor">
-            <a:schemeClr val="lt1"/>
-          </a:fontRef>
-        </p:style>
-        <p:txBody>
-          <a:bodyPr rtlCol="0" anchor="ctr"/>
-          <a:lstStyle/>
-          <a:p>
-            <a:pPr algn="ctr"/>
-            <a:endParaRPr lang="en-US">
-              <a:solidFill>
-                <a:srgbClr val="DB5B5C"/>
-              </a:solidFill>
-            </a:endParaRPr>
-          </a:p>
-        </p:txBody>
-      </p:sp>
-    </p:spTree>
-    <p:extLst>
-      <p:ext uri="{BB962C8B-B14F-4D97-AF65-F5344CB8AC3E}">
-        <p14:creationId xmlns:p14="http://schemas.microsoft.com/office/powerpoint/2010/main" val="3847524711"/>
-      </p:ext>
-    </p:extLst>
-  </p:cSld>
-  <p:clrMapOvr>
-    <a:overrideClrMapping bg1="dk1" tx1="lt1" bg2="dk2" tx2="lt2" accent1="accent1" accent2="accent2" accent3="accent3" accent4="accent4" accent5="accent5" accent6="accent6" hlink="hlink" folHlink="folHlink"/>
-  </p:clrMapOvr>
-</p:sld>
-</file>
-
-<file path=ppt/slides/slide13.xml><?xml version="1.0" encoding="utf-8"?>
 <p:sld xmlns:a="http://schemas.openxmlformats.org/drawingml/2006/main" xmlns:r="http://schemas.openxmlformats.org/officeDocument/2006/relationships" xmlns:p="http://schemas.openxmlformats.org/presentationml/2006/main">
   <p:cSld>
     <p:bg>
@@ -7430,7 +6688,7 @@
               <a:rPr lang="en-US" sz="2000" dirty="0">
                 <a:latin typeface="Selawik Semibold" panose="020B0702040204020203" pitchFamily="34" charset="0"/>
               </a:rPr>
-              <a:t>Quantitative and Qualitative</a:t>
+              <a:t>Quantitative Data</a:t>
             </a:r>
           </a:p>
           <a:p>
@@ -7439,7 +6697,7 @@
               <a:rPr lang="en-US" sz="2000" dirty="0">
                 <a:latin typeface="Selawik Semibold" panose="020B0702040204020203" pitchFamily="34" charset="0"/>
               </a:rPr>
-              <a:t>Objective and Subjective</a:t>
+              <a:t>Qualitative Data</a:t>
             </a:r>
           </a:p>
           <a:p>
@@ -7448,7 +6706,7 @@
               <a:rPr lang="en-US" sz="2000" dirty="0">
                 <a:latin typeface="Selawik Semibold" panose="020B0702040204020203" pitchFamily="34" charset="0"/>
               </a:rPr>
-              <a:t>Text and Images and Video</a:t>
+              <a:t>Multimedia Data</a:t>
             </a:r>
           </a:p>
           <a:p>
@@ -11217,8 +10475,8 @@
         </p:nvSpPr>
         <p:spPr>
           <a:xfrm>
-            <a:off x="838198" y="2021249"/>
-            <a:ext cx="7207103" cy="4515152"/>
+            <a:off x="838199" y="2021249"/>
+            <a:ext cx="6442366" cy="4515152"/>
           </a:xfrm>
         </p:spPr>
         <p:txBody>
@@ -11228,17 +10486,15 @@
           <a:lstStyle/>
           <a:p>
             <a:r>
-              <a:rPr lang="en-US" sz="2400" dirty="0">
+              <a:rPr lang="en-US" sz="2400" b="1" dirty="0">
                 <a:latin typeface="Selawik Semibold" panose="020B0702040204020203" pitchFamily="34" charset="0"/>
               </a:rPr>
-              <a:t>Short Course on Sports Analytics</a:t>
-            </a:r>
-          </a:p>
-          <a:p>
-            <a:pPr marL="0" indent="0">
-              <a:buNone/>
-            </a:pPr>
-            <a:endParaRPr lang="en-US" sz="2400" dirty="0">
+              <a:t>Metrics AKA Quantifiable Measures</a:t>
+            </a:r>
+          </a:p>
+          <a:p>
+            <a:pPr lvl="1"/>
+            <a:endParaRPr lang="en-US" sz="1200" b="1" dirty="0">
               <a:latin typeface="Selawik Semibold" panose="020B0702040204020203" pitchFamily="34" charset="0"/>
             </a:endParaRPr>
           </a:p>
@@ -11248,37 +10504,50 @@
               <a:rPr lang="en-US" sz="2000" b="1" dirty="0">
                 <a:latin typeface="Selawik Semibold" panose="020B0702040204020203" pitchFamily="34" charset="0"/>
               </a:rPr>
-              <a:t>Mike Lewis, </a:t>
+              <a:t>Understand the Past, Evaluate the Present, Predict the Future</a:t>
+            </a:r>
+          </a:p>
+          <a:p>
+            <a:pPr lvl="1"/>
+            <a:endParaRPr lang="en-US" sz="2000" b="1" dirty="0">
+              <a:latin typeface="Selawik Semibold" panose="020B0702040204020203" pitchFamily="34" charset="0"/>
+            </a:endParaRPr>
+          </a:p>
+          <a:p>
+            <a:pPr lvl="1"/>
+            <a:r>
+              <a:rPr lang="en-US" sz="2000" dirty="0">
+                <a:latin typeface="Selawik Semibold" panose="020B0702040204020203" pitchFamily="34" charset="0"/>
+              </a:rPr>
+              <a:t>Metrics Must be Explainable and Testable</a:t>
+            </a:r>
+            <a:endParaRPr lang="en-US" sz="2000" b="1" dirty="0">
+              <a:latin typeface="Selawik Semibold" panose="020B0702040204020203" pitchFamily="34" charset="0"/>
+            </a:endParaRPr>
+          </a:p>
+          <a:p>
+            <a:pPr lvl="1"/>
+            <a:endParaRPr lang="en-US" sz="2000" b="1" dirty="0">
+              <a:latin typeface="Selawik Semibold" panose="020B0702040204020203" pitchFamily="34" charset="0"/>
+            </a:endParaRPr>
+          </a:p>
+          <a:p>
+            <a:pPr lvl="1"/>
+            <a:r>
+              <a:rPr lang="en-US" sz="2000" b="1" dirty="0">
+                <a:latin typeface="Selawik Semibold" panose="020B0702040204020203" pitchFamily="34" charset="0"/>
+              </a:rPr>
+              <a:t>Four Phase Process by Ben </a:t>
             </a:r>
             <a:r>
               <a:rPr lang="en-US" sz="2000" b="1" dirty="0" err="1">
                 <a:latin typeface="Selawik Semibold" panose="020B0702040204020203" pitchFamily="34" charset="0"/>
               </a:rPr>
-              <a:t>Goizueta</a:t>
-            </a:r>
-            <a:r>
-              <a:rPr lang="en-US" sz="2000" b="1" dirty="0">
-                <a:latin typeface="Selawik Semibold" panose="020B0702040204020203" pitchFamily="34" charset="0"/>
-              </a:rPr>
-              <a:t> Business School, Emory</a:t>
-            </a:r>
-          </a:p>
-          <a:p>
-            <a:pPr marL="457200" lvl="1" indent="0">
-              <a:buNone/>
-            </a:pPr>
+              <a:t>Alamar</a:t>
+            </a:r>
             <a:endParaRPr lang="en-US" sz="2000" b="1" dirty="0">
               <a:latin typeface="Selawik Semibold" panose="020B0702040204020203" pitchFamily="34" charset="0"/>
             </a:endParaRPr>
-          </a:p>
-          <a:p>
-            <a:pPr lvl="1"/>
-            <a:r>
-              <a:rPr lang="en-US" sz="2000" b="1" dirty="0">
-                <a:latin typeface="Selawik Semibold" panose="020B0702040204020203" pitchFamily="34" charset="0"/>
-              </a:rPr>
-              <a:t>Two Types of Projects</a:t>
-            </a:r>
           </a:p>
           <a:p>
             <a:pPr lvl="2"/>
@@ -11286,7 +10555,7 @@
               <a:rPr lang="en-US" sz="1800" b="1" dirty="0">
                 <a:latin typeface="Selawik Semibold" panose="020B0702040204020203" pitchFamily="34" charset="0"/>
               </a:rPr>
-              <a:t>Long-Term</a:t>
+              <a:t>Opportunity: Need for Metric</a:t>
             </a:r>
           </a:p>
           <a:p>
@@ -11295,7 +10564,25 @@
               <a:rPr lang="en-US" sz="1800" b="1" dirty="0">
                 <a:latin typeface="Selawik Semibold" panose="020B0702040204020203" pitchFamily="34" charset="0"/>
               </a:rPr>
-              <a:t>Short-Term</a:t>
+              <a:t>Survey: Other Attempts and Available Data</a:t>
+            </a:r>
+          </a:p>
+          <a:p>
+            <a:pPr lvl="2"/>
+            <a:r>
+              <a:rPr lang="en-US" sz="1800" b="1" dirty="0">
+                <a:latin typeface="Selawik Semibold" panose="020B0702040204020203" pitchFamily="34" charset="0"/>
+              </a:rPr>
+              <a:t>Analysis: Built and Tested</a:t>
+            </a:r>
+          </a:p>
+          <a:p>
+            <a:pPr lvl="2"/>
+            <a:r>
+              <a:rPr lang="en-US" sz="1800" b="1" dirty="0">
+                <a:latin typeface="Selawik Semibold" panose="020B0702040204020203" pitchFamily="34" charset="0"/>
+              </a:rPr>
+              <a:t>Communication: Define and Interpret Metric</a:t>
             </a:r>
           </a:p>
           <a:p>
@@ -11303,59 +10590,6 @@
               <a:buNone/>
             </a:pPr>
             <a:endParaRPr lang="en-US" sz="1800" b="1" dirty="0">
-              <a:latin typeface="Selawik Semibold" panose="020B0702040204020203" pitchFamily="34" charset="0"/>
-            </a:endParaRPr>
-          </a:p>
-          <a:p>
-            <a:pPr lvl="1"/>
-            <a:r>
-              <a:rPr lang="en-US" sz="2000" b="1" dirty="0">
-                <a:latin typeface="Selawik Semibold" panose="020B0702040204020203" pitchFamily="34" charset="0"/>
-              </a:rPr>
-              <a:t>Analyses Should be Used to Evaluate Decision Biases</a:t>
-            </a:r>
-          </a:p>
-          <a:p>
-            <a:pPr marL="457200" lvl="1" indent="0">
-              <a:buNone/>
-            </a:pPr>
-            <a:endParaRPr lang="en-US" sz="2000" b="1" dirty="0">
-              <a:latin typeface="Selawik Semibold" panose="020B0702040204020203" pitchFamily="34" charset="0"/>
-            </a:endParaRPr>
-          </a:p>
-          <a:p>
-            <a:pPr lvl="1"/>
-            <a:r>
-              <a:rPr lang="en-US" sz="2000" b="1" dirty="0">
-                <a:latin typeface="Selawik Semibold" panose="020B0702040204020203" pitchFamily="34" charset="0"/>
-              </a:rPr>
-              <a:t>Big Data Problem</a:t>
-            </a:r>
-          </a:p>
-          <a:p>
-            <a:pPr lvl="2"/>
-            <a:r>
-              <a:rPr lang="en-US" sz="1800" b="1" dirty="0">
-                <a:latin typeface="Selawik Semibold" panose="020B0702040204020203" pitchFamily="34" charset="0"/>
-              </a:rPr>
-              <a:t>Number of Variables Increasing </a:t>
-            </a:r>
-          </a:p>
-          <a:p>
-            <a:pPr lvl="2"/>
-            <a:r>
-              <a:rPr lang="en-US" sz="1800" b="1" dirty="0">
-                <a:latin typeface="Selawik Semibold" panose="020B0702040204020203" pitchFamily="34" charset="0"/>
-              </a:rPr>
-              <a:t>Number of Players Remains the Same</a:t>
-            </a:r>
-            <a:endParaRPr lang="en-US" sz="1800" dirty="0">
-              <a:latin typeface="Selawik Semibold" panose="020B0702040204020203" pitchFamily="34" charset="0"/>
-            </a:endParaRPr>
-          </a:p>
-          <a:p>
-            <a:pPr lvl="1"/>
-            <a:endParaRPr lang="en-US" sz="1600" dirty="0">
               <a:latin typeface="Selawik Semibold" panose="020B0702040204020203" pitchFamily="34" charset="0"/>
             </a:endParaRPr>
           </a:p>
@@ -11420,7 +10654,7 @@
     </p:spTree>
     <p:extLst>
       <p:ext uri="{BB962C8B-B14F-4D97-AF65-F5344CB8AC3E}">
-        <p14:creationId xmlns:p14="http://schemas.microsoft.com/office/powerpoint/2010/main" val="1899222261"/>
+        <p14:creationId xmlns:p14="http://schemas.microsoft.com/office/powerpoint/2010/main" val="1044835020"/>
       </p:ext>
     </p:extLst>
   </p:cSld>
@@ -11552,6 +10786,185 @@
               </a:rPr>
               <a:t>Analytic Models</a:t>
             </a:r>
+          </a:p>
+        </p:txBody>
+      </p:sp>
+      <p:sp>
+        <p:nvSpPr>
+          <p:cNvPr id="9" name="Content Placeholder 8">
+            <a:extLst>
+              <a:ext uri="{FF2B5EF4-FFF2-40B4-BE49-F238E27FC236}">
+                <a16:creationId xmlns:a16="http://schemas.microsoft.com/office/drawing/2014/main" id="{2D995594-59F2-4020-AB6F-751BAE84ADB3}"/>
+              </a:ext>
+            </a:extLst>
+          </p:cNvPr>
+          <p:cNvSpPr>
+            <a:spLocks noGrp="1"/>
+          </p:cNvSpPr>
+          <p:nvPr>
+            <p:ph idx="1"/>
+          </p:nvPr>
+        </p:nvSpPr>
+        <p:spPr>
+          <a:xfrm>
+            <a:off x="838199" y="2021249"/>
+            <a:ext cx="6954372" cy="4581257"/>
+          </a:xfrm>
+        </p:spPr>
+        <p:txBody>
+          <a:bodyPr>
+            <a:normAutofit/>
+          </a:bodyPr>
+          <a:lstStyle/>
+          <a:p>
+            <a:r>
+              <a:rPr lang="en-US" sz="2400" dirty="0">
+                <a:latin typeface="Selawik Semibold" panose="020B0702040204020203" pitchFamily="34" charset="0"/>
+              </a:rPr>
+              <a:t>Five Questions for All Analyses – Ben </a:t>
+            </a:r>
+            <a:r>
+              <a:rPr lang="en-US" sz="2400" dirty="0" err="1">
+                <a:latin typeface="Selawik Semibold" panose="020B0702040204020203" pitchFamily="34" charset="0"/>
+              </a:rPr>
+              <a:t>Alamar</a:t>
+            </a:r>
+            <a:endParaRPr lang="en-US" sz="2400" dirty="0">
+              <a:latin typeface="Selawik Semibold" panose="020B0702040204020203" pitchFamily="34" charset="0"/>
+            </a:endParaRPr>
+          </a:p>
+          <a:p>
+            <a:pPr marL="0" indent="0">
+              <a:buNone/>
+            </a:pPr>
+            <a:endParaRPr lang="en-US" sz="2400" dirty="0">
+              <a:latin typeface="Selawik Semibold" panose="020B0702040204020203" pitchFamily="34" charset="0"/>
+            </a:endParaRPr>
+          </a:p>
+          <a:p>
+            <a:pPr lvl="1"/>
+            <a:r>
+              <a:rPr lang="en-US" sz="2000" dirty="0">
+                <a:latin typeface="Selawik Semibold" panose="020B0702040204020203" pitchFamily="34" charset="0"/>
+              </a:rPr>
+              <a:t>What was the thought process that led to the analysis? </a:t>
+            </a:r>
+          </a:p>
+          <a:p>
+            <a:pPr marL="457200" lvl="1" indent="0">
+              <a:buNone/>
+            </a:pPr>
+            <a:endParaRPr lang="en-US" sz="2000" dirty="0">
+              <a:latin typeface="Selawik Semibold" panose="020B0702040204020203" pitchFamily="34" charset="0"/>
+            </a:endParaRPr>
+          </a:p>
+          <a:p>
+            <a:pPr lvl="1"/>
+            <a:r>
+              <a:rPr lang="en-US" sz="2000" dirty="0">
+                <a:latin typeface="Selawik Semibold" panose="020B0702040204020203" pitchFamily="34" charset="0"/>
+              </a:rPr>
+              <a:t>What is the context of the result? </a:t>
+            </a:r>
+          </a:p>
+          <a:p>
+            <a:pPr marL="457200" lvl="1" indent="0">
+              <a:buNone/>
+            </a:pPr>
+            <a:endParaRPr lang="en-US" sz="2000" dirty="0">
+              <a:latin typeface="Selawik Semibold" panose="020B0702040204020203" pitchFamily="34" charset="0"/>
+            </a:endParaRPr>
+          </a:p>
+          <a:p>
+            <a:pPr lvl="1"/>
+            <a:r>
+              <a:rPr lang="en-US" sz="2000" dirty="0">
+                <a:latin typeface="Selawik Semibold" panose="020B0702040204020203" pitchFamily="34" charset="0"/>
+              </a:rPr>
+              <a:t>How much uncertainty is in the analysis?</a:t>
+            </a:r>
+          </a:p>
+          <a:p>
+            <a:pPr marL="457200" lvl="1" indent="0">
+              <a:buNone/>
+            </a:pPr>
+            <a:endParaRPr lang="en-US" sz="2000" dirty="0">
+              <a:latin typeface="Selawik Semibold" panose="020B0702040204020203" pitchFamily="34" charset="0"/>
+            </a:endParaRPr>
+          </a:p>
+          <a:p>
+            <a:pPr lvl="1"/>
+            <a:r>
+              <a:rPr lang="en-US" sz="2000" dirty="0">
+                <a:latin typeface="Selawik Semibold" panose="020B0702040204020203" pitchFamily="34" charset="0"/>
+              </a:rPr>
+              <a:t>How does the result inform the decision-making process?</a:t>
+            </a:r>
+          </a:p>
+          <a:p>
+            <a:pPr marL="457200" lvl="1" indent="0">
+              <a:buNone/>
+            </a:pPr>
+            <a:endParaRPr lang="en-US" sz="2000" dirty="0">
+              <a:latin typeface="Selawik Semibold" panose="020B0702040204020203" pitchFamily="34" charset="0"/>
+            </a:endParaRPr>
+          </a:p>
+          <a:p>
+            <a:pPr lvl="1"/>
+            <a:r>
+              <a:rPr lang="en-US" sz="2000" dirty="0">
+                <a:latin typeface="Selawik Semibold" panose="020B0702040204020203" pitchFamily="34" charset="0"/>
+              </a:rPr>
+              <a:t>How can we further reduce the uncertainty?</a:t>
+            </a:r>
+          </a:p>
+          <a:p>
+            <a:pPr lvl="2"/>
+            <a:endParaRPr lang="en-US" sz="1600" dirty="0">
+              <a:latin typeface="Selawik Semibold" panose="020B0702040204020203" pitchFamily="34" charset="0"/>
+            </a:endParaRPr>
+          </a:p>
+          <a:p>
+            <a:pPr lvl="1"/>
+            <a:endParaRPr lang="en-US" sz="1600" dirty="0">
+              <a:latin typeface="Selawik Semibold" panose="020B0702040204020203" pitchFamily="34" charset="0"/>
+            </a:endParaRPr>
+          </a:p>
+          <a:p>
+            <a:pPr lvl="1"/>
+            <a:endParaRPr lang="en-US" sz="2000" dirty="0">
+              <a:latin typeface="Selawik Semibold" panose="020B0702040204020203" pitchFamily="34" charset="0"/>
+            </a:endParaRPr>
+          </a:p>
+          <a:p>
+            <a:pPr lvl="1"/>
+            <a:endParaRPr lang="en-US" sz="2000" dirty="0">
+              <a:latin typeface="Selawik Semibold" panose="020B0702040204020203" pitchFamily="34" charset="0"/>
+            </a:endParaRPr>
+          </a:p>
+          <a:p>
+            <a:pPr lvl="1"/>
+            <a:endParaRPr lang="en-US" sz="1600" dirty="0">
+              <a:latin typeface="Selawik Semibold" panose="020B0702040204020203" pitchFamily="34" charset="0"/>
+            </a:endParaRPr>
+          </a:p>
+          <a:p>
+            <a:pPr lvl="1"/>
+            <a:endParaRPr lang="en-US" sz="2000" dirty="0">
+              <a:latin typeface="Selawik Semibold" panose="020B0702040204020203" pitchFamily="34" charset="0"/>
+            </a:endParaRPr>
+          </a:p>
+          <a:p>
+            <a:pPr lvl="1"/>
+            <a:endParaRPr lang="en-US" sz="2000" dirty="0">
+              <a:latin typeface="Selawik Semibold" panose="020B0702040204020203" pitchFamily="34" charset="0"/>
+            </a:endParaRPr>
+          </a:p>
+          <a:p>
+            <a:pPr lvl="1"/>
+            <a:endParaRPr lang="en-US" sz="2000" dirty="0">
+              <a:latin typeface="Selawik Semibold" panose="020B0702040204020203" pitchFamily="34" charset="0"/>
+            </a:endParaRPr>
           </a:p>
         </p:txBody>
       </p:sp>
@@ -11841,144 +11254,6 @@
       </p:sp>
       <p:sp>
         <p:nvSpPr>
-          <p:cNvPr id="9" name="Content Placeholder 8">
-            <a:extLst>
-              <a:ext uri="{FF2B5EF4-FFF2-40B4-BE49-F238E27FC236}">
-                <a16:creationId xmlns:a16="http://schemas.microsoft.com/office/drawing/2014/main" id="{2D995594-59F2-4020-AB6F-751BAE84ADB3}"/>
-              </a:ext>
-            </a:extLst>
-          </p:cNvPr>
-          <p:cNvSpPr>
-            <a:spLocks noGrp="1"/>
-          </p:cNvSpPr>
-          <p:nvPr>
-            <p:ph idx="1"/>
-          </p:nvPr>
-        </p:nvSpPr>
-        <p:spPr>
-          <a:xfrm>
-            <a:off x="838199" y="2021249"/>
-            <a:ext cx="6442366" cy="4515152"/>
-          </a:xfrm>
-        </p:spPr>
-        <p:txBody>
-          <a:bodyPr>
-            <a:normAutofit/>
-          </a:bodyPr>
-          <a:lstStyle/>
-          <a:p>
-            <a:r>
-              <a:rPr lang="en-US" sz="2400" dirty="0">
-                <a:latin typeface="Selawik Semibold" panose="020B0702040204020203" pitchFamily="34" charset="0"/>
-              </a:rPr>
-              <a:t>Fundamentals on Sports Analytics</a:t>
-            </a:r>
-          </a:p>
-          <a:p>
-            <a:pPr marL="457200" lvl="1" indent="0">
-              <a:buNone/>
-            </a:pPr>
-            <a:endParaRPr lang="en-US" sz="2000" b="1" dirty="0">
-              <a:latin typeface="Selawik Semibold" panose="020B0702040204020203" pitchFamily="34" charset="0"/>
-            </a:endParaRPr>
-          </a:p>
-          <a:p>
-            <a:pPr lvl="1"/>
-            <a:r>
-              <a:rPr lang="en-US" sz="2000" b="1" dirty="0">
-                <a:latin typeface="Selawik Semibold" panose="020B0702040204020203" pitchFamily="34" charset="0"/>
-              </a:rPr>
-              <a:t>Metrics AKA Quantifiable Measures</a:t>
-            </a:r>
-          </a:p>
-          <a:p>
-            <a:pPr lvl="2"/>
-            <a:r>
-              <a:rPr lang="en-US" sz="1800" b="1" dirty="0">
-                <a:latin typeface="Selawik Semibold" panose="020B0702040204020203" pitchFamily="34" charset="0"/>
-              </a:rPr>
-              <a:t>Understand the Past, Evaluate the Present, Predict the Future</a:t>
-            </a:r>
-          </a:p>
-          <a:p>
-            <a:pPr lvl="2"/>
-            <a:r>
-              <a:rPr lang="en-US" sz="1800" b="1" dirty="0">
-                <a:latin typeface="Selawik Semibold" panose="020B0702040204020203" pitchFamily="34" charset="0"/>
-              </a:rPr>
-              <a:t>Four Phase Process by Ben </a:t>
-            </a:r>
-            <a:r>
-              <a:rPr lang="en-US" sz="1800" b="1" dirty="0" err="1">
-                <a:latin typeface="Selawik Semibold" panose="020B0702040204020203" pitchFamily="34" charset="0"/>
-              </a:rPr>
-              <a:t>Alamar</a:t>
-            </a:r>
-            <a:endParaRPr lang="en-US" sz="1800" b="1" dirty="0">
-              <a:latin typeface="Selawik Semibold" panose="020B0702040204020203" pitchFamily="34" charset="0"/>
-            </a:endParaRPr>
-          </a:p>
-          <a:p>
-            <a:pPr lvl="3"/>
-            <a:r>
-              <a:rPr lang="en-US" sz="1600" b="1" dirty="0">
-                <a:latin typeface="Selawik Semibold" panose="020B0702040204020203" pitchFamily="34" charset="0"/>
-              </a:rPr>
-              <a:t>Opportunity, Survey, Analysis, Communication</a:t>
-            </a:r>
-          </a:p>
-          <a:p>
-            <a:pPr lvl="2"/>
-            <a:r>
-              <a:rPr lang="en-US" sz="1800" dirty="0">
-                <a:latin typeface="Selawik Semibold" panose="020B0702040204020203" pitchFamily="34" charset="0"/>
-              </a:rPr>
-              <a:t>Metrics Must be Explainable and Testable</a:t>
-            </a:r>
-          </a:p>
-          <a:p>
-            <a:pPr lvl="2"/>
-            <a:endParaRPr lang="en-US" sz="1800" dirty="0">
-              <a:latin typeface="Selawik Semibold" panose="020B0702040204020203" pitchFamily="34" charset="0"/>
-            </a:endParaRPr>
-          </a:p>
-          <a:p>
-            <a:pPr lvl="1"/>
-            <a:r>
-              <a:rPr lang="en-US" sz="2200" dirty="0">
-                <a:latin typeface="Selawik Semibold" panose="020B0702040204020203" pitchFamily="34" charset="0"/>
-              </a:rPr>
-              <a:t> Statistical Model Essentials</a:t>
-            </a:r>
-          </a:p>
-          <a:p>
-            <a:pPr lvl="2"/>
-            <a:r>
-              <a:rPr lang="en-US" sz="1800" dirty="0">
-                <a:latin typeface="Selawik Semibold" panose="020B0702040204020203" pitchFamily="34" charset="0"/>
-              </a:rPr>
-              <a:t>Linear Regression</a:t>
-            </a:r>
-          </a:p>
-          <a:p>
-            <a:pPr lvl="2"/>
-            <a:r>
-              <a:rPr lang="en-US" sz="1800" dirty="0">
-                <a:latin typeface="Selawik Semibold" panose="020B0702040204020203" pitchFamily="34" charset="0"/>
-              </a:rPr>
-              <a:t>Generalized Linear Models</a:t>
-            </a:r>
-          </a:p>
-          <a:p>
-            <a:pPr lvl="1"/>
-            <a:endParaRPr lang="en-US" sz="1600" dirty="0">
-              <a:latin typeface="Selawik Semibold" panose="020B0702040204020203" pitchFamily="34" charset="0"/>
-            </a:endParaRPr>
-          </a:p>
-        </p:txBody>
-      </p:sp>
-      <p:sp>
-        <p:nvSpPr>
           <p:cNvPr id="16" name="Rectangle 15">
             <a:extLst>
               <a:ext uri="{FF2B5EF4-FFF2-40B4-BE49-F238E27FC236}">
@@ -12036,7 +11311,7 @@
     </p:spTree>
     <p:extLst>
       <p:ext uri="{BB962C8B-B14F-4D97-AF65-F5344CB8AC3E}">
-        <p14:creationId xmlns:p14="http://schemas.microsoft.com/office/powerpoint/2010/main" val="1044835020"/>
+        <p14:creationId xmlns:p14="http://schemas.microsoft.com/office/powerpoint/2010/main" val="416677112"/>
       </p:ext>
     </p:extLst>
   </p:cSld>
